--- a/JatekProjectHUN.pptx
+++ b/JatekProjectHUN.pptx
@@ -10,12 +10,14 @@
     <p:sldId id="264" r:id="rId4"/>
     <p:sldId id="258" r:id="rId5"/>
     <p:sldId id="262" r:id="rId6"/>
-    <p:sldId id="263" r:id="rId7"/>
-    <p:sldId id="259" r:id="rId8"/>
-    <p:sldId id="265" r:id="rId9"/>
-    <p:sldId id="266" r:id="rId10"/>
-    <p:sldId id="260" r:id="rId11"/>
-    <p:sldId id="261" r:id="rId12"/>
+    <p:sldId id="268" r:id="rId7"/>
+    <p:sldId id="263" r:id="rId8"/>
+    <p:sldId id="270" r:id="rId9"/>
+    <p:sldId id="259" r:id="rId10"/>
+    <p:sldId id="265" r:id="rId11"/>
+    <p:sldId id="266" r:id="rId12"/>
+    <p:sldId id="260" r:id="rId13"/>
+    <p:sldId id="261" r:id="rId14"/>
   </p:sldIdLst>
   <p:sldSz cx="12192000" cy="6858000"/>
   <p:notesSz cx="6858000" cy="9144000"/>
@@ -120,6 +122,14 @@
     </p:ext>
   </p:extLst>
 </p:presentation>
+</file>
+
+<file path=ppt/revisionInfo.xml><?xml version="1.0" encoding="utf-8"?>
+<p1510:revInfo xmlns:a="http://schemas.openxmlformats.org/drawingml/2006/main" xmlns:r="http://schemas.openxmlformats.org/officeDocument/2006/relationships" xmlns:p1510="http://schemas.microsoft.com/office/powerpoint/2015/10/main">
+  <p1510:revLst>
+    <p1510:client id="{52008DCB-E161-61CF-AA33-383AFB13E997}" v="127" dt="2024-01-11T14:53:32.750"/>
+  </p1510:revLst>
+</p1510:revInfo>
 </file>
 
 <file path=ppt/slideLayouts/slideLayout1.xml><?xml version="1.0" encoding="utf-8"?>
@@ -6407,7 +6417,7 @@
           <a:p>
             <a:r>
               <a:rPr lang="hu-HU" dirty="0"/>
-              <a:t>Magyar BEMUTATÓT készítette: Sarkadi Kristóf</a:t>
+              <a:t>Magyar BEMUTATÓT készítette: Rózsahegyi Ákos</a:t>
             </a:r>
           </a:p>
           <a:p>
@@ -6604,6 +6614,608 @@
 </file>
 
 <file path=ppt/slides/slide10.xml><?xml version="1.0" encoding="utf-8"?>
+<p:sld xmlns:a="http://schemas.openxmlformats.org/drawingml/2006/main" xmlns:r="http://schemas.openxmlformats.org/officeDocument/2006/relationships" xmlns:p="http://schemas.openxmlformats.org/presentationml/2006/main">
+  <p:cSld>
+    <p:spTree>
+      <p:nvGrpSpPr>
+        <p:cNvPr id="1" name=""/>
+        <p:cNvGrpSpPr/>
+        <p:nvPr/>
+      </p:nvGrpSpPr>
+      <p:grpSpPr>
+        <a:xfrm>
+          <a:off x="0" y="0"/>
+          <a:ext cx="0" cy="0"/>
+          <a:chOff x="0" y="0"/>
+          <a:chExt cx="0" cy="0"/>
+        </a:xfrm>
+      </p:grpSpPr>
+      <p:sp>
+        <p:nvSpPr>
+          <p:cNvPr id="2" name="Cím 1">
+            <a:extLst>
+              <a:ext uri="{FF2B5EF4-FFF2-40B4-BE49-F238E27FC236}">
+                <a16:creationId xmlns:a16="http://schemas.microsoft.com/office/drawing/2014/main" id="{7F47ADD5-7FE5-4F3B-A07C-D69B5C516C29}"/>
+              </a:ext>
+            </a:extLst>
+          </p:cNvPr>
+          <p:cNvSpPr>
+            <a:spLocks noGrp="1"/>
+          </p:cNvSpPr>
+          <p:nvPr>
+            <p:ph type="title"/>
+          </p:nvPr>
+        </p:nvSpPr>
+        <p:spPr>
+          <a:xfrm>
+            <a:off x="685801" y="329540"/>
+            <a:ext cx="10396882" cy="1151965"/>
+          </a:xfrm>
+        </p:spPr>
+        <p:txBody>
+          <a:bodyPr/>
+          <a:lstStyle/>
+          <a:p>
+            <a:pPr algn="ctr"/>
+            <a:r>
+              <a:rPr lang="hu-HU" dirty="0"/>
+              <a:t>A </a:t>
+            </a:r>
+            <a:r>
+              <a:rPr lang="hu-HU" dirty="0" err="1"/>
+              <a:t>validálás</a:t>
+            </a:r>
+            <a:r>
+              <a:rPr lang="hu-HU" dirty="0"/>
+              <a:t> is sikeres volt</a:t>
+            </a:r>
+          </a:p>
+        </p:txBody>
+      </p:sp>
+      <p:pic>
+        <p:nvPicPr>
+          <p:cNvPr id="5" name="Kép 4">
+            <a:extLst>
+              <a:ext uri="{FF2B5EF4-FFF2-40B4-BE49-F238E27FC236}">
+                <a16:creationId xmlns:a16="http://schemas.microsoft.com/office/drawing/2014/main" id="{2FC53835-27B9-464A-BD9F-84B6A8D851B0}"/>
+              </a:ext>
+            </a:extLst>
+          </p:cNvPr>
+          <p:cNvPicPr>
+            <a:picLocks noChangeAspect="1"/>
+          </p:cNvPicPr>
+          <p:nvPr/>
+        </p:nvPicPr>
+        <p:blipFill>
+          <a:blip r:embed="rId2"/>
+          <a:stretch>
+            <a:fillRect/>
+          </a:stretch>
+        </p:blipFill>
+        <p:spPr>
+          <a:xfrm>
+            <a:off x="1709304" y="1330011"/>
+            <a:ext cx="8360971" cy="4197977"/>
+          </a:xfrm>
+          <a:prstGeom prst="rect">
+            <a:avLst/>
+          </a:prstGeom>
+        </p:spPr>
+      </p:pic>
+    </p:spTree>
+    <p:extLst>
+      <p:ext uri="{BB962C8B-B14F-4D97-AF65-F5344CB8AC3E}">
+        <p14:creationId xmlns:p14="http://schemas.microsoft.com/office/powerpoint/2010/main" val="1821236969"/>
+      </p:ext>
+    </p:extLst>
+  </p:cSld>
+  <p:clrMapOvr>
+    <a:masterClrMapping/>
+  </p:clrMapOvr>
+  <mc:AlternateContent xmlns:mc="http://schemas.openxmlformats.org/markup-compatibility/2006" xmlns:p14="http://schemas.microsoft.com/office/powerpoint/2010/main">
+    <mc:Choice Requires="p14">
+      <p:transition spd="slow" p14:dur="3000">
+        <p14:shred/>
+      </p:transition>
+    </mc:Choice>
+    <mc:Fallback xmlns="">
+      <p:transition spd="slow">
+        <p:fade/>
+      </p:transition>
+    </mc:Fallback>
+  </mc:AlternateContent>
+  <p:timing>
+    <p:tnLst>
+      <p:par>
+        <p:cTn id="1" dur="indefinite" restart="never" nodeType="tmRoot">
+          <p:childTnLst>
+            <p:seq concurrent="1" nextAc="seek">
+              <p:cTn id="2" dur="indefinite" nodeType="mainSeq">
+                <p:childTnLst>
+                  <p:par>
+                    <p:cTn id="3" fill="hold">
+                      <p:stCondLst>
+                        <p:cond delay="indefinite"/>
+                      </p:stCondLst>
+                      <p:childTnLst>
+                        <p:par>
+                          <p:cTn id="4" fill="hold">
+                            <p:stCondLst>
+                              <p:cond delay="0"/>
+                            </p:stCondLst>
+                            <p:childTnLst>
+                              <p:par>
+                                <p:cTn id="5" presetID="10" presetClass="entr" presetSubtype="0" fill="hold" grpId="0" nodeType="clickEffect">
+                                  <p:stCondLst>
+                                    <p:cond delay="0"/>
+                                  </p:stCondLst>
+                                  <p:childTnLst>
+                                    <p:set>
+                                      <p:cBhvr>
+                                        <p:cTn id="6" dur="1" fill="hold">
+                                          <p:stCondLst>
+                                            <p:cond delay="0"/>
+                                          </p:stCondLst>
+                                        </p:cTn>
+                                        <p:tgtEl>
+                                          <p:spTgt spid="2"/>
+                                        </p:tgtEl>
+                                        <p:attrNameLst>
+                                          <p:attrName>style.visibility</p:attrName>
+                                        </p:attrNameLst>
+                                      </p:cBhvr>
+                                      <p:to>
+                                        <p:strVal val="visible"/>
+                                      </p:to>
+                                    </p:set>
+                                    <p:animEffect transition="in" filter="fade">
+                                      <p:cBhvr>
+                                        <p:cTn id="7" dur="500"/>
+                                        <p:tgtEl>
+                                          <p:spTgt spid="2"/>
+                                        </p:tgtEl>
+                                      </p:cBhvr>
+                                    </p:animEffect>
+                                  </p:childTnLst>
+                                </p:cTn>
+                              </p:par>
+                            </p:childTnLst>
+                          </p:cTn>
+                        </p:par>
+                      </p:childTnLst>
+                    </p:cTn>
+                  </p:par>
+                  <p:par>
+                    <p:cTn id="8" fill="hold">
+                      <p:stCondLst>
+                        <p:cond delay="indefinite"/>
+                      </p:stCondLst>
+                      <p:childTnLst>
+                        <p:par>
+                          <p:cTn id="9" fill="hold">
+                            <p:stCondLst>
+                              <p:cond delay="0"/>
+                            </p:stCondLst>
+                            <p:childTnLst>
+                              <p:par>
+                                <p:cTn id="10" presetID="42" presetClass="entr" presetSubtype="0" fill="hold" nodeType="clickEffect">
+                                  <p:stCondLst>
+                                    <p:cond delay="0"/>
+                                  </p:stCondLst>
+                                  <p:childTnLst>
+                                    <p:set>
+                                      <p:cBhvr>
+                                        <p:cTn id="11" dur="1" fill="hold">
+                                          <p:stCondLst>
+                                            <p:cond delay="0"/>
+                                          </p:stCondLst>
+                                        </p:cTn>
+                                        <p:tgtEl>
+                                          <p:spTgt spid="5"/>
+                                        </p:tgtEl>
+                                        <p:attrNameLst>
+                                          <p:attrName>style.visibility</p:attrName>
+                                        </p:attrNameLst>
+                                      </p:cBhvr>
+                                      <p:to>
+                                        <p:strVal val="visible"/>
+                                      </p:to>
+                                    </p:set>
+                                    <p:animEffect transition="in" filter="fade">
+                                      <p:cBhvr>
+                                        <p:cTn id="12" dur="1000"/>
+                                        <p:tgtEl>
+                                          <p:spTgt spid="5"/>
+                                        </p:tgtEl>
+                                      </p:cBhvr>
+                                    </p:animEffect>
+                                    <p:anim calcmode="lin" valueType="num">
+                                      <p:cBhvr>
+                                        <p:cTn id="13" dur="1000" fill="hold"/>
+                                        <p:tgtEl>
+                                          <p:spTgt spid="5"/>
+                                        </p:tgtEl>
+                                        <p:attrNameLst>
+                                          <p:attrName>ppt_x</p:attrName>
+                                        </p:attrNameLst>
+                                      </p:cBhvr>
+                                      <p:tavLst>
+                                        <p:tav tm="0">
+                                          <p:val>
+                                            <p:strVal val="#ppt_x"/>
+                                          </p:val>
+                                        </p:tav>
+                                        <p:tav tm="100000">
+                                          <p:val>
+                                            <p:strVal val="#ppt_x"/>
+                                          </p:val>
+                                        </p:tav>
+                                      </p:tavLst>
+                                    </p:anim>
+                                    <p:anim calcmode="lin" valueType="num">
+                                      <p:cBhvr>
+                                        <p:cTn id="14" dur="1000" fill="hold"/>
+                                        <p:tgtEl>
+                                          <p:spTgt spid="5"/>
+                                        </p:tgtEl>
+                                        <p:attrNameLst>
+                                          <p:attrName>ppt_y</p:attrName>
+                                        </p:attrNameLst>
+                                      </p:cBhvr>
+                                      <p:tavLst>
+                                        <p:tav tm="0">
+                                          <p:val>
+                                            <p:strVal val="#ppt_y+.1"/>
+                                          </p:val>
+                                        </p:tav>
+                                        <p:tav tm="100000">
+                                          <p:val>
+                                            <p:strVal val="#ppt_y"/>
+                                          </p:val>
+                                        </p:tav>
+                                      </p:tavLst>
+                                    </p:anim>
+                                  </p:childTnLst>
+                                </p:cTn>
+                              </p:par>
+                            </p:childTnLst>
+                          </p:cTn>
+                        </p:par>
+                      </p:childTnLst>
+                    </p:cTn>
+                  </p:par>
+                </p:childTnLst>
+              </p:cTn>
+              <p:prevCondLst>
+                <p:cond evt="onPrev" delay="0">
+                  <p:tgtEl>
+                    <p:sldTgt/>
+                  </p:tgtEl>
+                </p:cond>
+              </p:prevCondLst>
+              <p:nextCondLst>
+                <p:cond evt="onNext" delay="0">
+                  <p:tgtEl>
+                    <p:sldTgt/>
+                  </p:tgtEl>
+                </p:cond>
+              </p:nextCondLst>
+            </p:seq>
+          </p:childTnLst>
+        </p:cTn>
+      </p:par>
+    </p:tnLst>
+    <p:bldLst>
+      <p:bldP spid="2" grpId="0"/>
+    </p:bldLst>
+  </p:timing>
+</p:sld>
+</file>
+
+<file path=ppt/slides/slide11.xml><?xml version="1.0" encoding="utf-8"?>
+<p:sld xmlns:a="http://schemas.openxmlformats.org/drawingml/2006/main" xmlns:r="http://schemas.openxmlformats.org/officeDocument/2006/relationships" xmlns:p="http://schemas.openxmlformats.org/presentationml/2006/main">
+  <p:cSld>
+    <p:spTree>
+      <p:nvGrpSpPr>
+        <p:cNvPr id="1" name=""/>
+        <p:cNvGrpSpPr/>
+        <p:nvPr/>
+      </p:nvGrpSpPr>
+      <p:grpSpPr>
+        <a:xfrm>
+          <a:off x="0" y="0"/>
+          <a:ext cx="0" cy="0"/>
+          <a:chOff x="0" y="0"/>
+          <a:chExt cx="0" cy="0"/>
+        </a:xfrm>
+      </p:grpSpPr>
+      <p:pic>
+        <p:nvPicPr>
+          <p:cNvPr id="4" name="Kép 3">
+            <a:extLst>
+              <a:ext uri="{FF2B5EF4-FFF2-40B4-BE49-F238E27FC236}">
+                <a16:creationId xmlns:a16="http://schemas.microsoft.com/office/drawing/2014/main" id="{5B9D7A98-6C0F-452F-9974-46B91463893D}"/>
+              </a:ext>
+            </a:extLst>
+          </p:cNvPr>
+          <p:cNvPicPr>
+            <a:picLocks noChangeAspect="1"/>
+          </p:cNvPicPr>
+          <p:nvPr/>
+        </p:nvPicPr>
+        <p:blipFill>
+          <a:blip r:embed="rId2"/>
+          <a:stretch>
+            <a:fillRect/>
+          </a:stretch>
+        </p:blipFill>
+        <p:spPr>
+          <a:xfrm>
+            <a:off x="2120555" y="0"/>
+            <a:ext cx="6629400" cy="1200150"/>
+          </a:xfrm>
+          <a:prstGeom prst="rect">
+            <a:avLst/>
+          </a:prstGeom>
+        </p:spPr>
+      </p:pic>
+      <p:pic>
+        <p:nvPicPr>
+          <p:cNvPr id="5" name="Kép 4">
+            <a:extLst>
+              <a:ext uri="{FF2B5EF4-FFF2-40B4-BE49-F238E27FC236}">
+                <a16:creationId xmlns:a16="http://schemas.microsoft.com/office/drawing/2014/main" id="{4EC763FB-119E-4A0E-8469-C6C6B5AD6B40}"/>
+              </a:ext>
+            </a:extLst>
+          </p:cNvPr>
+          <p:cNvPicPr>
+            <a:picLocks noChangeAspect="1"/>
+          </p:cNvPicPr>
+          <p:nvPr/>
+        </p:nvPicPr>
+        <p:blipFill>
+          <a:blip r:embed="rId3"/>
+          <a:stretch>
+            <a:fillRect/>
+          </a:stretch>
+        </p:blipFill>
+        <p:spPr>
+          <a:xfrm>
+            <a:off x="2012147" y="1200150"/>
+            <a:ext cx="6846217" cy="5136078"/>
+          </a:xfrm>
+          <a:prstGeom prst="rect">
+            <a:avLst/>
+          </a:prstGeom>
+        </p:spPr>
+      </p:pic>
+    </p:spTree>
+    <p:extLst>
+      <p:ext uri="{BB962C8B-B14F-4D97-AF65-F5344CB8AC3E}">
+        <p14:creationId xmlns:p14="http://schemas.microsoft.com/office/powerpoint/2010/main" val="1485503320"/>
+      </p:ext>
+    </p:extLst>
+  </p:cSld>
+  <p:clrMapOvr>
+    <a:masterClrMapping/>
+  </p:clrMapOvr>
+  <p:transition spd="slow">
+    <p:randomBar dir="vert"/>
+  </p:transition>
+  <p:timing>
+    <p:tnLst>
+      <p:par>
+        <p:cTn id="1" dur="indefinite" restart="never" nodeType="tmRoot">
+          <p:childTnLst>
+            <p:seq concurrent="1" nextAc="seek">
+              <p:cTn id="2" dur="indefinite" nodeType="mainSeq">
+                <p:childTnLst>
+                  <p:par>
+                    <p:cTn id="3" fill="hold">
+                      <p:stCondLst>
+                        <p:cond delay="indefinite"/>
+                      </p:stCondLst>
+                      <p:childTnLst>
+                        <p:par>
+                          <p:cTn id="4" fill="hold">
+                            <p:stCondLst>
+                              <p:cond delay="0"/>
+                            </p:stCondLst>
+                            <p:childTnLst>
+                              <p:par>
+                                <p:cTn id="5" presetID="42" presetClass="entr" presetSubtype="0" fill="hold" nodeType="clickEffect">
+                                  <p:stCondLst>
+                                    <p:cond delay="0"/>
+                                  </p:stCondLst>
+                                  <p:childTnLst>
+                                    <p:set>
+                                      <p:cBhvr>
+                                        <p:cTn id="6" dur="1" fill="hold">
+                                          <p:stCondLst>
+                                            <p:cond delay="0"/>
+                                          </p:stCondLst>
+                                        </p:cTn>
+                                        <p:tgtEl>
+                                          <p:spTgt spid="4"/>
+                                        </p:tgtEl>
+                                        <p:attrNameLst>
+                                          <p:attrName>style.visibility</p:attrName>
+                                        </p:attrNameLst>
+                                      </p:cBhvr>
+                                      <p:to>
+                                        <p:strVal val="visible"/>
+                                      </p:to>
+                                    </p:set>
+                                    <p:animEffect transition="in" filter="fade">
+                                      <p:cBhvr>
+                                        <p:cTn id="7" dur="1000"/>
+                                        <p:tgtEl>
+                                          <p:spTgt spid="4"/>
+                                        </p:tgtEl>
+                                      </p:cBhvr>
+                                    </p:animEffect>
+                                    <p:anim calcmode="lin" valueType="num">
+                                      <p:cBhvr>
+                                        <p:cTn id="8" dur="1000" fill="hold"/>
+                                        <p:tgtEl>
+                                          <p:spTgt spid="4"/>
+                                        </p:tgtEl>
+                                        <p:attrNameLst>
+                                          <p:attrName>ppt_x</p:attrName>
+                                        </p:attrNameLst>
+                                      </p:cBhvr>
+                                      <p:tavLst>
+                                        <p:tav tm="0">
+                                          <p:val>
+                                            <p:strVal val="#ppt_x"/>
+                                          </p:val>
+                                        </p:tav>
+                                        <p:tav tm="100000">
+                                          <p:val>
+                                            <p:strVal val="#ppt_x"/>
+                                          </p:val>
+                                        </p:tav>
+                                      </p:tavLst>
+                                    </p:anim>
+                                    <p:anim calcmode="lin" valueType="num">
+                                      <p:cBhvr>
+                                        <p:cTn id="9" dur="1000" fill="hold"/>
+                                        <p:tgtEl>
+                                          <p:spTgt spid="4"/>
+                                        </p:tgtEl>
+                                        <p:attrNameLst>
+                                          <p:attrName>ppt_y</p:attrName>
+                                        </p:attrNameLst>
+                                      </p:cBhvr>
+                                      <p:tavLst>
+                                        <p:tav tm="0">
+                                          <p:val>
+                                            <p:strVal val="#ppt_y+.1"/>
+                                          </p:val>
+                                        </p:tav>
+                                        <p:tav tm="100000">
+                                          <p:val>
+                                            <p:strVal val="#ppt_y"/>
+                                          </p:val>
+                                        </p:tav>
+                                      </p:tavLst>
+                                    </p:anim>
+                                  </p:childTnLst>
+                                </p:cTn>
+                              </p:par>
+                              <p:par>
+                                <p:cTn id="10" presetID="42" presetClass="entr" presetSubtype="0" fill="hold" nodeType="withEffect">
+                                  <p:stCondLst>
+                                    <p:cond delay="0"/>
+                                  </p:stCondLst>
+                                  <p:childTnLst>
+                                    <p:set>
+                                      <p:cBhvr>
+                                        <p:cTn id="11" dur="1" fill="hold">
+                                          <p:stCondLst>
+                                            <p:cond delay="0"/>
+                                          </p:stCondLst>
+                                        </p:cTn>
+                                        <p:tgtEl>
+                                          <p:spTgt spid="5"/>
+                                        </p:tgtEl>
+                                        <p:attrNameLst>
+                                          <p:attrName>style.visibility</p:attrName>
+                                        </p:attrNameLst>
+                                      </p:cBhvr>
+                                      <p:to>
+                                        <p:strVal val="visible"/>
+                                      </p:to>
+                                    </p:set>
+                                    <p:animEffect transition="in" filter="fade">
+                                      <p:cBhvr>
+                                        <p:cTn id="12" dur="1000"/>
+                                        <p:tgtEl>
+                                          <p:spTgt spid="5"/>
+                                        </p:tgtEl>
+                                      </p:cBhvr>
+                                    </p:animEffect>
+                                    <p:anim calcmode="lin" valueType="num">
+                                      <p:cBhvr>
+                                        <p:cTn id="13" dur="1000" fill="hold"/>
+                                        <p:tgtEl>
+                                          <p:spTgt spid="5"/>
+                                        </p:tgtEl>
+                                        <p:attrNameLst>
+                                          <p:attrName>ppt_x</p:attrName>
+                                        </p:attrNameLst>
+                                      </p:cBhvr>
+                                      <p:tavLst>
+                                        <p:tav tm="0">
+                                          <p:val>
+                                            <p:strVal val="#ppt_x"/>
+                                          </p:val>
+                                        </p:tav>
+                                        <p:tav tm="100000">
+                                          <p:val>
+                                            <p:strVal val="#ppt_x"/>
+                                          </p:val>
+                                        </p:tav>
+                                      </p:tavLst>
+                                    </p:anim>
+                                    <p:anim calcmode="lin" valueType="num">
+                                      <p:cBhvr>
+                                        <p:cTn id="14" dur="1000" fill="hold"/>
+                                        <p:tgtEl>
+                                          <p:spTgt spid="5"/>
+                                        </p:tgtEl>
+                                        <p:attrNameLst>
+                                          <p:attrName>ppt_y</p:attrName>
+                                        </p:attrNameLst>
+                                      </p:cBhvr>
+                                      <p:tavLst>
+                                        <p:tav tm="0">
+                                          <p:val>
+                                            <p:strVal val="#ppt_y+.1"/>
+                                          </p:val>
+                                        </p:tav>
+                                        <p:tav tm="100000">
+                                          <p:val>
+                                            <p:strVal val="#ppt_y"/>
+                                          </p:val>
+                                        </p:tav>
+                                      </p:tavLst>
+                                    </p:anim>
+                                  </p:childTnLst>
+                                </p:cTn>
+                              </p:par>
+                            </p:childTnLst>
+                          </p:cTn>
+                        </p:par>
+                      </p:childTnLst>
+                    </p:cTn>
+                  </p:par>
+                </p:childTnLst>
+              </p:cTn>
+              <p:prevCondLst>
+                <p:cond evt="onPrev" delay="0">
+                  <p:tgtEl>
+                    <p:sldTgt/>
+                  </p:tgtEl>
+                </p:cond>
+              </p:prevCondLst>
+              <p:nextCondLst>
+                <p:cond evt="onNext" delay="0">
+                  <p:tgtEl>
+                    <p:sldTgt/>
+                  </p:tgtEl>
+                </p:cond>
+              </p:nextCondLst>
+            </p:seq>
+          </p:childTnLst>
+        </p:cTn>
+      </p:par>
+    </p:tnLst>
+  </p:timing>
+</p:sld>
+</file>
+
+<file path=ppt/slides/slide12.xml><?xml version="1.0" encoding="utf-8"?>
 <p:sld xmlns:a="http://schemas.openxmlformats.org/drawingml/2006/main" xmlns:r="http://schemas.openxmlformats.org/officeDocument/2006/relationships" xmlns:p="http://schemas.openxmlformats.org/presentationml/2006/main">
   <p:cSld>
     <p:spTree>
@@ -7638,7 +8250,7 @@
 </p:sld>
 </file>
 
-<file path=ppt/slides/slide11.xml><?xml version="1.0" encoding="utf-8"?>
+<file path=ppt/slides/slide13.xml><?xml version="1.0" encoding="utf-8"?>
 <p:sld xmlns:a="http://schemas.openxmlformats.org/drawingml/2006/main" xmlns:r="http://schemas.openxmlformats.org/officeDocument/2006/relationships" xmlns:p="http://schemas.openxmlformats.org/presentationml/2006/main">
   <p:cSld>
     <p:spTree>
@@ -8119,13 +8731,13 @@
   <p:clrMapOvr>
     <a:masterClrMapping/>
   </p:clrMapOvr>
-  <mc:AlternateContent xmlns:mc="http://schemas.openxmlformats.org/markup-compatibility/2006">
-    <mc:Choice xmlns:p15="http://schemas.microsoft.com/office/powerpoint/2012/main" Requires="p15">
+  <mc:AlternateContent xmlns:mc="http://schemas.openxmlformats.org/markup-compatibility/2006" xmlns:p15="http://schemas.microsoft.com/office/powerpoint/2012/main">
+    <mc:Choice Requires="p15">
       <p:transition xmlns:p14="http://schemas.microsoft.com/office/powerpoint/2010/main" spd="slow" p14:dur="2000">
         <p15:prstTrans prst="fallOver"/>
       </p:transition>
     </mc:Choice>
-    <mc:Fallback>
+    <mc:Fallback xmlns="">
       <p:transition spd="slow">
         <p:fade/>
       </p:transition>
@@ -9382,49 +9994,32 @@
       </p:cxnSp>
       <p:pic>
         <p:nvPicPr>
-          <p:cNvPr id="3074" name="Picture 2" descr="Check Mark Vector Icon 553972 Vector Art at Vecteezy">
+          <p:cNvPr id="4" name="Picture 3">
             <a:extLst>
               <a:ext uri="{FF2B5EF4-FFF2-40B4-BE49-F238E27FC236}">
-                <a16:creationId xmlns:a16="http://schemas.microsoft.com/office/drawing/2014/main" id="{B8E714CD-22F7-4F32-B277-B69CBCB06D2A}"/>
+                <a16:creationId xmlns:a16="http://schemas.microsoft.com/office/drawing/2014/main" id="{CDBA9159-CE65-400B-4975-F4D141FB41BE}"/>
               </a:ext>
             </a:extLst>
           </p:cNvPr>
           <p:cNvPicPr>
-            <a:picLocks noChangeAspect="1" noChangeArrowheads="1"/>
+            <a:picLocks noChangeAspect="1"/>
           </p:cNvPicPr>
           <p:nvPr/>
         </p:nvPicPr>
         <p:blipFill>
-          <a:blip r:embed="rId4">
-            <a:extLst>
-              <a:ext uri="{28A0092B-C50C-407E-A947-70E740481C1C}">
-                <a14:useLocalDpi xmlns:a14="http://schemas.microsoft.com/office/drawing/2010/main" val="0"/>
-              </a:ext>
-            </a:extLst>
-          </a:blip>
-          <a:srcRect/>
+          <a:blip r:embed="rId4"/>
           <a:stretch>
             <a:fillRect/>
           </a:stretch>
         </p:blipFill>
-        <p:spPr bwMode="auto">
+        <p:spPr>
           <a:xfrm>
-            <a:off x="9767454" y="3620499"/>
-            <a:ext cx="1738745" cy="1738745"/>
+            <a:off x="9649691" y="3494314"/>
+            <a:ext cx="1818904" cy="1818904"/>
           </a:xfrm>
           <a:prstGeom prst="rect">
             <a:avLst/>
           </a:prstGeom>
-          <a:noFill/>
-          <a:extLst>
-            <a:ext uri="{909E8E84-426E-40DD-AFC4-6F175D3DCCD1}">
-              <a14:hiddenFill xmlns:a14="http://schemas.microsoft.com/office/drawing/2010/main">
-                <a:solidFill>
-                  <a:srgbClr val="FFFFFF"/>
-                </a:solidFill>
-              </a14:hiddenFill>
-            </a:ext>
-          </a:extLst>
         </p:spPr>
       </p:pic>
     </p:spTree>
@@ -9437,13 +10032,13 @@
   <p:clrMapOvr>
     <a:masterClrMapping/>
   </p:clrMapOvr>
-  <mc:AlternateContent xmlns:mc="http://schemas.openxmlformats.org/markup-compatibility/2006">
-    <mc:Choice xmlns:p15="http://schemas.microsoft.com/office/powerpoint/2012/main" Requires="p15">
+  <mc:AlternateContent xmlns:mc="http://schemas.openxmlformats.org/markup-compatibility/2006" xmlns:p15="http://schemas.microsoft.com/office/powerpoint/2012/main">
+    <mc:Choice Requires="p15">
       <p:transition xmlns:p14="http://schemas.microsoft.com/office/powerpoint/2010/main" spd="slow" p14:dur="1250">
         <p15:prstTrans prst="peelOff"/>
       </p:transition>
     </mc:Choice>
-    <mc:Fallback>
+    <mc:Fallback xmlns="">
       <p:transition spd="slow">
         <p:fade/>
       </p:transition>
@@ -9536,7 +10131,7 @@
                                           </p:stCondLst>
                                         </p:cTn>
                                         <p:tgtEl>
-                                          <p:spTgt spid="5"/>
+                                          <p:spTgt spid="4"/>
                                         </p:tgtEl>
                                         <p:attrNameLst>
                                           <p:attrName>style.visibility</p:attrName>
@@ -9550,7 +10145,7 @@
                                       <p:cBhvr>
                                         <p:cTn id="12" dur="500"/>
                                         <p:tgtEl>
-                                          <p:spTgt spid="5"/>
+                                          <p:spTgt spid="4"/>
                                         </p:tgtEl>
                                       </p:cBhvr>
                                     </p:animEffect>
@@ -9571,7 +10166,7 @@
                                           </p:stCondLst>
                                         </p:cTn>
                                         <p:tgtEl>
-                                          <p:spTgt spid="9"/>
+                                          <p:spTgt spid="7"/>
                                         </p:tgtEl>
                                         <p:attrNameLst>
                                           <p:attrName>style.visibility</p:attrName>
@@ -9585,7 +10180,7 @@
                                       <p:cBhvr>
                                         <p:cTn id="15" dur="500"/>
                                         <p:tgtEl>
-                                          <p:spTgt spid="9"/>
+                                          <p:spTgt spid="7"/>
                                         </p:tgtEl>
                                       </p:cBhvr>
                                     </p:animEffect>
@@ -9606,7 +10201,7 @@
                                           </p:stCondLst>
                                         </p:cTn>
                                         <p:tgtEl>
-                                          <p:spTgt spid="12"/>
+                                          <p:spTgt spid="9"/>
                                         </p:tgtEl>
                                         <p:attrNameLst>
                                           <p:attrName>style.visibility</p:attrName>
@@ -9620,7 +10215,7 @@
                                       <p:cBhvr>
                                         <p:cTn id="18" dur="500"/>
                                         <p:tgtEl>
-                                          <p:spTgt spid="12"/>
+                                          <p:spTgt spid="9"/>
                                         </p:tgtEl>
                                       </p:cBhvr>
                                     </p:animEffect>
@@ -9641,7 +10236,7 @@
                                           </p:stCondLst>
                                         </p:cTn>
                                         <p:tgtEl>
-                                          <p:spTgt spid="7"/>
+                                          <p:spTgt spid="12"/>
                                         </p:tgtEl>
                                         <p:attrNameLst>
                                           <p:attrName>style.visibility</p:attrName>
@@ -9655,7 +10250,7 @@
                                       <p:cBhvr>
                                         <p:cTn id="21" dur="500"/>
                                         <p:tgtEl>
-                                          <p:spTgt spid="7"/>
+                                          <p:spTgt spid="12"/>
                                         </p:tgtEl>
                                       </p:cBhvr>
                                     </p:animEffect>
@@ -9676,7 +10271,7 @@
                                           </p:stCondLst>
                                         </p:cTn>
                                         <p:tgtEl>
-                                          <p:spTgt spid="3074"/>
+                                          <p:spTgt spid="5"/>
                                         </p:tgtEl>
                                         <p:attrNameLst>
                                           <p:attrName>style.visibility</p:attrName>
@@ -9690,7 +10285,7 @@
                                       <p:cBhvr>
                                         <p:cTn id="24" dur="500"/>
                                         <p:tgtEl>
-                                          <p:spTgt spid="3074"/>
+                                          <p:spTgt spid="5"/>
                                         </p:tgtEl>
                                       </p:cBhvr>
                                     </p:animEffect>
@@ -11485,13 +12080,13 @@
   <p:clrMapOvr>
     <a:masterClrMapping/>
   </p:clrMapOvr>
-  <mc:AlternateContent xmlns:mc="http://schemas.openxmlformats.org/markup-compatibility/2006">
-    <mc:Choice xmlns:p15="http://schemas.microsoft.com/office/powerpoint/2012/main" Requires="p15">
+  <mc:AlternateContent xmlns:mc="http://schemas.openxmlformats.org/markup-compatibility/2006" xmlns:p15="http://schemas.microsoft.com/office/powerpoint/2012/main">
+    <mc:Choice Requires="p15">
       <p:transition xmlns:p14="http://schemas.microsoft.com/office/powerpoint/2010/main" spd="slow" p14:dur="1250">
         <p15:prstTrans prst="pageCurlDouble"/>
       </p:transition>
     </mc:Choice>
-    <mc:Fallback>
+    <mc:Fallback xmlns="">
       <p:transition spd="slow">
         <p:fade/>
       </p:transition>
@@ -12402,6 +12997,393 @@
 </file>
 
 <file path=ppt/slides/slide6.xml><?xml version="1.0" encoding="utf-8"?>
+<p:sld xmlns:a="http://schemas.openxmlformats.org/drawingml/2006/main" xmlns:r="http://schemas.openxmlformats.org/officeDocument/2006/relationships" xmlns:p="http://schemas.openxmlformats.org/presentationml/2006/main">
+  <p:cSld>
+    <p:spTree>
+      <p:nvGrpSpPr>
+        <p:cNvPr id="1" name="">
+          <a:extLst>
+            <a:ext uri="{FF2B5EF4-FFF2-40B4-BE49-F238E27FC236}">
+              <a16:creationId xmlns:a16="http://schemas.microsoft.com/office/drawing/2014/main" id="{0515897E-E7EA-D04B-17AD-CCE1FE777750}"/>
+            </a:ext>
+          </a:extLst>
+        </p:cNvPr>
+        <p:cNvGrpSpPr/>
+        <p:nvPr/>
+      </p:nvGrpSpPr>
+      <p:grpSpPr>
+        <a:xfrm>
+          <a:off x="0" y="0"/>
+          <a:ext cx="0" cy="0"/>
+          <a:chOff x="0" y="0"/>
+          <a:chExt cx="0" cy="0"/>
+        </a:xfrm>
+      </p:grpSpPr>
+      <p:sp>
+        <p:nvSpPr>
+          <p:cNvPr id="2" name="Cím 1">
+            <a:extLst>
+              <a:ext uri="{FF2B5EF4-FFF2-40B4-BE49-F238E27FC236}">
+                <a16:creationId xmlns:a16="http://schemas.microsoft.com/office/drawing/2014/main" id="{913D262D-D8CB-BC43-B8A0-0F246BA91283}"/>
+              </a:ext>
+            </a:extLst>
+          </p:cNvPr>
+          <p:cNvSpPr>
+            <a:spLocks noGrp="1"/>
+          </p:cNvSpPr>
+          <p:nvPr>
+            <p:ph type="title"/>
+          </p:nvPr>
+        </p:nvSpPr>
+        <p:spPr/>
+        <p:txBody>
+          <a:bodyPr/>
+          <a:lstStyle/>
+          <a:p>
+            <a:r>
+              <a:rPr lang="hu-HU" dirty="0"/>
+              <a:t>Feladat kiosztás</a:t>
+            </a:r>
+          </a:p>
+        </p:txBody>
+      </p:sp>
+      <p:sp>
+        <p:nvSpPr>
+          <p:cNvPr id="3" name="Tartalom helye 2">
+            <a:extLst>
+              <a:ext uri="{FF2B5EF4-FFF2-40B4-BE49-F238E27FC236}">
+                <a16:creationId xmlns:a16="http://schemas.microsoft.com/office/drawing/2014/main" id="{024B8CD2-5612-336A-C88D-89CD9AB30D62}"/>
+              </a:ext>
+            </a:extLst>
+          </p:cNvPr>
+          <p:cNvSpPr>
+            <a:spLocks noGrp="1"/>
+          </p:cNvSpPr>
+          <p:nvPr>
+            <p:ph idx="1"/>
+          </p:nvPr>
+        </p:nvSpPr>
+        <p:spPr>
+          <a:xfrm>
+            <a:off x="685800" y="1479496"/>
+            <a:ext cx="10364189" cy="1493293"/>
+          </a:xfrm>
+        </p:spPr>
+        <p:txBody>
+          <a:bodyPr/>
+          <a:lstStyle/>
+          <a:p>
+            <a:r>
+              <a:rPr lang="hu-HU" sz="3600" dirty="0"/>
+              <a:t>A FELADAT KIOSZTÁSÁHOZ/FELTÖLTÉSÉHEZ HASZNÁLT ESZKÖZÖK:</a:t>
+            </a:r>
+          </a:p>
+        </p:txBody>
+      </p:sp>
+      <p:pic>
+        <p:nvPicPr>
+          <p:cNvPr id="9" name="Picture 8" descr="File:Trello logo.svg - Wikipedia">
+            <a:extLst>
+              <a:ext uri="{FF2B5EF4-FFF2-40B4-BE49-F238E27FC236}">
+                <a16:creationId xmlns:a16="http://schemas.microsoft.com/office/drawing/2014/main" id="{B13A0687-5B30-3934-3AA7-A36EF570CE8B}"/>
+              </a:ext>
+            </a:extLst>
+          </p:cNvPr>
+          <p:cNvPicPr>
+            <a:picLocks noChangeAspect="1"/>
+          </p:cNvPicPr>
+          <p:nvPr/>
+        </p:nvPicPr>
+        <p:blipFill>
+          <a:blip r:embed="rId2"/>
+          <a:stretch>
+            <a:fillRect/>
+          </a:stretch>
+        </p:blipFill>
+        <p:spPr>
+          <a:xfrm>
+            <a:off x="7020297" y="3462341"/>
+            <a:ext cx="4029690" cy="1160434"/>
+          </a:xfrm>
+          <a:prstGeom prst="rect">
+            <a:avLst/>
+          </a:prstGeom>
+        </p:spPr>
+      </p:pic>
+      <p:pic>
+        <p:nvPicPr>
+          <p:cNvPr id="11" name="Picture 10" descr="GitHub Logo and symbol, meaning, history, PNG, brand">
+            <a:extLst>
+              <a:ext uri="{FF2B5EF4-FFF2-40B4-BE49-F238E27FC236}">
+                <a16:creationId xmlns:a16="http://schemas.microsoft.com/office/drawing/2014/main" id="{32BD93EF-06BB-598F-9C1E-8AF20F6E16C6}"/>
+              </a:ext>
+            </a:extLst>
+          </p:cNvPr>
+          <p:cNvPicPr>
+            <a:picLocks noChangeAspect="1"/>
+          </p:cNvPicPr>
+          <p:nvPr/>
+        </p:nvPicPr>
+        <p:blipFill>
+          <a:blip r:embed="rId3"/>
+          <a:stretch>
+            <a:fillRect/>
+          </a:stretch>
+        </p:blipFill>
+        <p:spPr>
+          <a:xfrm>
+            <a:off x="3051958" y="2815812"/>
+            <a:ext cx="4089070" cy="2295153"/>
+          </a:xfrm>
+          <a:prstGeom prst="rect">
+            <a:avLst/>
+          </a:prstGeom>
+        </p:spPr>
+      </p:pic>
+    </p:spTree>
+    <p:extLst>
+      <p:ext uri="{BB962C8B-B14F-4D97-AF65-F5344CB8AC3E}">
+        <p14:creationId xmlns:p14="http://schemas.microsoft.com/office/powerpoint/2010/main" val="1640377968"/>
+      </p:ext>
+    </p:extLst>
+  </p:cSld>
+  <p:clrMapOvr>
+    <a:masterClrMapping/>
+  </p:clrMapOvr>
+  <mc:AlternateContent xmlns:mc="http://schemas.openxmlformats.org/markup-compatibility/2006">
+    <mc:Choice xmlns:p15="http://schemas.microsoft.com/office/powerpoint/2012/main" Requires="p15">
+      <p:transition xmlns:p14="http://schemas.microsoft.com/office/powerpoint/2010/main" spd="slow" p14:dur="1250">
+        <p15:prstTrans prst="pageCurlDouble"/>
+      </p:transition>
+    </mc:Choice>
+    <mc:Fallback>
+      <p:transition spd="slow">
+        <p:fade/>
+      </p:transition>
+    </mc:Fallback>
+  </mc:AlternateContent>
+  <p:timing>
+    <p:tnLst>
+      <p:par>
+        <p:cTn id="1" dur="indefinite" restart="never" nodeType="tmRoot">
+          <p:childTnLst>
+            <p:seq concurrent="1" nextAc="seek">
+              <p:cTn id="2" dur="indefinite" nodeType="mainSeq">
+                <p:childTnLst>
+                  <p:par>
+                    <p:cTn id="3" fill="hold">
+                      <p:stCondLst>
+                        <p:cond delay="indefinite"/>
+                      </p:stCondLst>
+                      <p:childTnLst>
+                        <p:par>
+                          <p:cTn id="4" fill="hold">
+                            <p:stCondLst>
+                              <p:cond delay="0"/>
+                            </p:stCondLst>
+                            <p:childTnLst>
+                              <p:par>
+                                <p:cTn id="5" presetID="10" presetClass="entr" presetSubtype="0" fill="hold" grpId="0" nodeType="clickEffect">
+                                  <p:stCondLst>
+                                    <p:cond delay="0"/>
+                                  </p:stCondLst>
+                                  <p:childTnLst>
+                                    <p:set>
+                                      <p:cBhvr>
+                                        <p:cTn id="6" dur="1" fill="hold">
+                                          <p:stCondLst>
+                                            <p:cond delay="0"/>
+                                          </p:stCondLst>
+                                        </p:cTn>
+                                        <p:tgtEl>
+                                          <p:spTgt spid="2"/>
+                                        </p:tgtEl>
+                                        <p:attrNameLst>
+                                          <p:attrName>style.visibility</p:attrName>
+                                        </p:attrNameLst>
+                                      </p:cBhvr>
+                                      <p:to>
+                                        <p:strVal val="visible"/>
+                                      </p:to>
+                                    </p:set>
+                                    <p:animEffect transition="in" filter="fade">
+                                      <p:cBhvr>
+                                        <p:cTn id="7" dur="500"/>
+                                        <p:tgtEl>
+                                          <p:spTgt spid="2"/>
+                                        </p:tgtEl>
+                                      </p:cBhvr>
+                                    </p:animEffect>
+                                  </p:childTnLst>
+                                </p:cTn>
+                              </p:par>
+                            </p:childTnLst>
+                          </p:cTn>
+                        </p:par>
+                      </p:childTnLst>
+                    </p:cTn>
+                  </p:par>
+                  <p:par>
+                    <p:cTn id="8" fill="hold">
+                      <p:stCondLst>
+                        <p:cond delay="indefinite"/>
+                      </p:stCondLst>
+                      <p:childTnLst>
+                        <p:par>
+                          <p:cTn id="9" fill="hold">
+                            <p:stCondLst>
+                              <p:cond delay="0"/>
+                            </p:stCondLst>
+                            <p:childTnLst>
+                              <p:par>
+                                <p:cTn id="10" presetID="4" presetClass="entr" presetSubtype="16" fill="hold" grpId="0" nodeType="clickEffect">
+                                  <p:stCondLst>
+                                    <p:cond delay="0"/>
+                                  </p:stCondLst>
+                                  <p:childTnLst>
+                                    <p:set>
+                                      <p:cBhvr>
+                                        <p:cTn id="11" dur="1" fill="hold">
+                                          <p:stCondLst>
+                                            <p:cond delay="0"/>
+                                          </p:stCondLst>
+                                        </p:cTn>
+                                        <p:tgtEl>
+                                          <p:spTgt spid="3">
+                                            <p:txEl>
+                                              <p:pRg st="0" end="0"/>
+                                            </p:txEl>
+                                          </p:spTgt>
+                                        </p:tgtEl>
+                                        <p:attrNameLst>
+                                          <p:attrName>style.visibility</p:attrName>
+                                        </p:attrNameLst>
+                                      </p:cBhvr>
+                                      <p:to>
+                                        <p:strVal val="visible"/>
+                                      </p:to>
+                                    </p:set>
+                                    <p:animEffect transition="in" filter="box(in)">
+                                      <p:cBhvr>
+                                        <p:cTn id="12" dur="2000"/>
+                                        <p:tgtEl>
+                                          <p:spTgt spid="3">
+                                            <p:txEl>
+                                              <p:pRg st="0" end="0"/>
+                                            </p:txEl>
+                                          </p:spTgt>
+                                        </p:tgtEl>
+                                      </p:cBhvr>
+                                    </p:animEffect>
+                                  </p:childTnLst>
+                                </p:cTn>
+                              </p:par>
+                              <p:par>
+                                <p:cTn id="13" presetID="4" presetClass="entr" presetSubtype="16" fill="hold" nodeType="withEffect">
+                                  <p:stCondLst>
+                                    <p:cond delay="0"/>
+                                  </p:stCondLst>
+                                  <p:childTnLst>
+                                    <p:set>
+                                      <p:cBhvr>
+                                        <p:cTn id="14" dur="1" fill="hold">
+                                          <p:stCondLst>
+                                            <p:cond delay="0"/>
+                                          </p:stCondLst>
+                                        </p:cTn>
+                                        <p:tgtEl>
+                                          <p:spTgt spid="11"/>
+                                        </p:tgtEl>
+                                        <p:attrNameLst>
+                                          <p:attrName>style.visibility</p:attrName>
+                                        </p:attrNameLst>
+                                      </p:cBhvr>
+                                      <p:to>
+                                        <p:strVal val="visible"/>
+                                      </p:to>
+                                    </p:set>
+                                    <p:animEffect transition="in" filter="box(in)">
+                                      <p:cBhvr>
+                                        <p:cTn id="15" dur="2000"/>
+                                        <p:tgtEl>
+                                          <p:spTgt spid="11"/>
+                                        </p:tgtEl>
+                                      </p:cBhvr>
+                                    </p:animEffect>
+                                  </p:childTnLst>
+                                </p:cTn>
+                              </p:par>
+                              <p:par>
+                                <p:cTn id="16" presetID="4" presetClass="entr" presetSubtype="16" fill="hold" nodeType="withEffect">
+                                  <p:stCondLst>
+                                    <p:cond delay="0"/>
+                                  </p:stCondLst>
+                                  <p:childTnLst>
+                                    <p:set>
+                                      <p:cBhvr>
+                                        <p:cTn id="17" dur="1" fill="hold">
+                                          <p:stCondLst>
+                                            <p:cond delay="0"/>
+                                          </p:stCondLst>
+                                        </p:cTn>
+                                        <p:tgtEl>
+                                          <p:spTgt spid="9"/>
+                                        </p:tgtEl>
+                                        <p:attrNameLst>
+                                          <p:attrName>style.visibility</p:attrName>
+                                        </p:attrNameLst>
+                                      </p:cBhvr>
+                                      <p:to>
+                                        <p:strVal val="visible"/>
+                                      </p:to>
+                                    </p:set>
+                                    <p:animEffect transition="in" filter="box(in)">
+                                      <p:cBhvr>
+                                        <p:cTn id="18" dur="2000"/>
+                                        <p:tgtEl>
+                                          <p:spTgt spid="9"/>
+                                        </p:tgtEl>
+                                      </p:cBhvr>
+                                    </p:animEffect>
+                                  </p:childTnLst>
+                                </p:cTn>
+                              </p:par>
+                            </p:childTnLst>
+                          </p:cTn>
+                        </p:par>
+                      </p:childTnLst>
+                    </p:cTn>
+                  </p:par>
+                </p:childTnLst>
+              </p:cTn>
+              <p:prevCondLst>
+                <p:cond evt="onPrev" delay="0">
+                  <p:tgtEl>
+                    <p:sldTgt/>
+                  </p:tgtEl>
+                </p:cond>
+              </p:prevCondLst>
+              <p:nextCondLst>
+                <p:cond evt="onNext" delay="0">
+                  <p:tgtEl>
+                    <p:sldTgt/>
+                  </p:tgtEl>
+                </p:cond>
+              </p:nextCondLst>
+            </p:seq>
+          </p:childTnLst>
+        </p:cTn>
+      </p:par>
+    </p:tnLst>
+    <p:bldLst>
+      <p:bldP spid="2" grpId="0"/>
+      <p:bldP spid="3" grpId="0" build="p"/>
+    </p:bldLst>
+  </p:timing>
+</p:sld>
+</file>
+
+<file path=ppt/slides/slide7.xml><?xml version="1.0" encoding="utf-8"?>
 <p:sld xmlns:a="http://schemas.openxmlformats.org/drawingml/2006/main" xmlns:r="http://schemas.openxmlformats.org/officeDocument/2006/relationships" xmlns:p="http://schemas.openxmlformats.org/presentationml/2006/main">
   <p:cSld>
     <p:spTree>
@@ -13358,13 +14340,13 @@
   <p:clrMapOvr>
     <a:masterClrMapping/>
   </p:clrMapOvr>
-  <mc:AlternateContent xmlns:mc="http://schemas.openxmlformats.org/markup-compatibility/2006">
-    <mc:Choice xmlns:p14="http://schemas.microsoft.com/office/powerpoint/2010/main" Requires="p14">
+  <mc:AlternateContent xmlns:mc="http://schemas.openxmlformats.org/markup-compatibility/2006" xmlns:p14="http://schemas.microsoft.com/office/powerpoint/2010/main">
+    <mc:Choice Requires="p14">
       <p:transition spd="slow" p14:dur="1600">
         <p:blinds dir="vert"/>
       </p:transition>
     </mc:Choice>
-    <mc:Fallback>
+    <mc:Fallback xmlns="">
       <p:transition spd="slow">
         <p:blinds dir="vert"/>
       </p:transition>
@@ -13752,7 +14734,378 @@
 </p:sld>
 </file>
 
-<file path=ppt/slides/slide7.xml><?xml version="1.0" encoding="utf-8"?>
+<file path=ppt/slides/slide8.xml><?xml version="1.0" encoding="utf-8"?>
+<p:sld xmlns:a="http://schemas.openxmlformats.org/drawingml/2006/main" xmlns:r="http://schemas.openxmlformats.org/officeDocument/2006/relationships" xmlns:p="http://schemas.openxmlformats.org/presentationml/2006/main">
+  <p:cSld>
+    <p:spTree>
+      <p:nvGrpSpPr>
+        <p:cNvPr id="1" name="">
+          <a:extLst>
+            <a:ext uri="{FF2B5EF4-FFF2-40B4-BE49-F238E27FC236}">
+              <a16:creationId xmlns:a16="http://schemas.microsoft.com/office/drawing/2014/main" id="{C1D288F6-7E2D-1B5A-FEBA-7CD82990598F}"/>
+            </a:ext>
+          </a:extLst>
+        </p:cNvPr>
+        <p:cNvGrpSpPr/>
+        <p:nvPr/>
+      </p:nvGrpSpPr>
+      <p:grpSpPr>
+        <a:xfrm>
+          <a:off x="0" y="0"/>
+          <a:ext cx="0" cy="0"/>
+          <a:chOff x="0" y="0"/>
+          <a:chExt cx="0" cy="0"/>
+        </a:xfrm>
+      </p:grpSpPr>
+      <p:sp>
+        <p:nvSpPr>
+          <p:cNvPr id="2" name="Cím 1">
+            <a:extLst>
+              <a:ext uri="{FF2B5EF4-FFF2-40B4-BE49-F238E27FC236}">
+                <a16:creationId xmlns:a16="http://schemas.microsoft.com/office/drawing/2014/main" id="{B874DD07-7B8A-F97D-2FC8-228F72D0326F}"/>
+              </a:ext>
+            </a:extLst>
+          </p:cNvPr>
+          <p:cNvSpPr>
+            <a:spLocks noGrp="1"/>
+          </p:cNvSpPr>
+          <p:nvPr>
+            <p:ph type="title"/>
+          </p:nvPr>
+        </p:nvSpPr>
+        <p:spPr>
+          <a:xfrm>
+            <a:off x="685801" y="626423"/>
+            <a:ext cx="10396882" cy="1151965"/>
+          </a:xfrm>
+        </p:spPr>
+        <p:txBody>
+          <a:bodyPr/>
+          <a:lstStyle/>
+          <a:p>
+            <a:r>
+              <a:rPr lang="hu-HU" dirty="0"/>
+              <a:t>Felépítés</a:t>
+            </a:r>
+          </a:p>
+        </p:txBody>
+      </p:sp>
+      <p:pic>
+        <p:nvPicPr>
+          <p:cNvPr id="10" name="Picture 9">
+            <a:extLst>
+              <a:ext uri="{FF2B5EF4-FFF2-40B4-BE49-F238E27FC236}">
+                <a16:creationId xmlns:a16="http://schemas.microsoft.com/office/drawing/2014/main" id="{DAF0F69F-D6C7-1F30-CD94-73E0A352C5E9}"/>
+              </a:ext>
+            </a:extLst>
+          </p:cNvPr>
+          <p:cNvPicPr>
+            <a:picLocks noChangeAspect="1"/>
+          </p:cNvPicPr>
+          <p:nvPr/>
+        </p:nvPicPr>
+        <p:blipFill>
+          <a:blip r:embed="rId2"/>
+          <a:stretch>
+            <a:fillRect/>
+          </a:stretch>
+        </p:blipFill>
+        <p:spPr>
+          <a:xfrm>
+            <a:off x="4043949" y="485898"/>
+            <a:ext cx="7053138" cy="5015345"/>
+          </a:xfrm>
+          <a:prstGeom prst="rect">
+            <a:avLst/>
+          </a:prstGeom>
+        </p:spPr>
+      </p:pic>
+      <p:pic>
+        <p:nvPicPr>
+          <p:cNvPr id="11" name="Picture 10">
+            <a:extLst>
+              <a:ext uri="{FF2B5EF4-FFF2-40B4-BE49-F238E27FC236}">
+                <a16:creationId xmlns:a16="http://schemas.microsoft.com/office/drawing/2014/main" id="{7F41BAA7-66B1-30B4-1C4A-AD0A616A5DD5}"/>
+              </a:ext>
+            </a:extLst>
+          </p:cNvPr>
+          <p:cNvPicPr>
+            <a:picLocks noChangeAspect="1"/>
+          </p:cNvPicPr>
+          <p:nvPr/>
+        </p:nvPicPr>
+        <p:blipFill>
+          <a:blip r:embed="rId3"/>
+          <a:stretch>
+            <a:fillRect/>
+          </a:stretch>
+        </p:blipFill>
+        <p:spPr>
+          <a:xfrm>
+            <a:off x="4043951" y="485899"/>
+            <a:ext cx="7053139" cy="5015345"/>
+          </a:xfrm>
+          <a:prstGeom prst="rect">
+            <a:avLst/>
+          </a:prstGeom>
+        </p:spPr>
+      </p:pic>
+    </p:spTree>
+    <p:extLst>
+      <p:ext uri="{BB962C8B-B14F-4D97-AF65-F5344CB8AC3E}">
+        <p14:creationId xmlns:p14="http://schemas.microsoft.com/office/powerpoint/2010/main" val="2022860263"/>
+      </p:ext>
+    </p:extLst>
+  </p:cSld>
+  <p:clrMapOvr>
+    <a:masterClrMapping/>
+  </p:clrMapOvr>
+  <mc:AlternateContent xmlns:mc="http://schemas.openxmlformats.org/markup-compatibility/2006">
+    <mc:Choice xmlns:p14="http://schemas.microsoft.com/office/powerpoint/2010/main" Requires="p14">
+      <p:transition spd="slow" p14:dur="1600">
+        <p:blinds dir="vert"/>
+      </p:transition>
+    </mc:Choice>
+    <mc:Fallback>
+      <p:transition spd="slow">
+        <p:blinds dir="vert"/>
+      </p:transition>
+    </mc:Fallback>
+  </mc:AlternateContent>
+  <p:timing>
+    <p:tnLst>
+      <p:par>
+        <p:cTn id="1" dur="indefinite" restart="never" nodeType="tmRoot">
+          <p:childTnLst>
+            <p:seq concurrent="1" nextAc="seek">
+              <p:cTn id="2" dur="indefinite" nodeType="mainSeq">
+                <p:childTnLst>
+                  <p:par>
+                    <p:cTn id="3" fill="hold">
+                      <p:stCondLst>
+                        <p:cond delay="indefinite"/>
+                      </p:stCondLst>
+                      <p:childTnLst>
+                        <p:par>
+                          <p:cTn id="4" fill="hold">
+                            <p:stCondLst>
+                              <p:cond delay="0"/>
+                            </p:stCondLst>
+                            <p:childTnLst>
+                              <p:par>
+                                <p:cTn id="5" presetID="10" presetClass="entr" presetSubtype="0" fill="hold" grpId="0" nodeType="clickEffect">
+                                  <p:stCondLst>
+                                    <p:cond delay="0"/>
+                                  </p:stCondLst>
+                                  <p:childTnLst>
+                                    <p:set>
+                                      <p:cBhvr>
+                                        <p:cTn id="6" dur="1" fill="hold">
+                                          <p:stCondLst>
+                                            <p:cond delay="0"/>
+                                          </p:stCondLst>
+                                        </p:cTn>
+                                        <p:tgtEl>
+                                          <p:spTgt spid="2"/>
+                                        </p:tgtEl>
+                                        <p:attrNameLst>
+                                          <p:attrName>style.visibility</p:attrName>
+                                        </p:attrNameLst>
+                                      </p:cBhvr>
+                                      <p:to>
+                                        <p:strVal val="visible"/>
+                                      </p:to>
+                                    </p:set>
+                                    <p:animEffect transition="in" filter="fade">
+                                      <p:cBhvr>
+                                        <p:cTn id="7" dur="500"/>
+                                        <p:tgtEl>
+                                          <p:spTgt spid="2"/>
+                                        </p:tgtEl>
+                                      </p:cBhvr>
+                                    </p:animEffect>
+                                  </p:childTnLst>
+                                </p:cTn>
+                              </p:par>
+                            </p:childTnLst>
+                          </p:cTn>
+                        </p:par>
+                      </p:childTnLst>
+                    </p:cTn>
+                  </p:par>
+                  <p:par>
+                    <p:cTn id="8" fill="hold">
+                      <p:stCondLst>
+                        <p:cond delay="indefinite"/>
+                      </p:stCondLst>
+                      <p:childTnLst>
+                        <p:par>
+                          <p:cTn id="9" fill="hold">
+                            <p:stCondLst>
+                              <p:cond delay="0"/>
+                            </p:stCondLst>
+                            <p:childTnLst>
+                              <p:par>
+                                <p:cTn id="10" presetID="2" presetClass="entr" presetSubtype="4" fill="hold" nodeType="clickEffect">
+                                  <p:stCondLst>
+                                    <p:cond delay="0"/>
+                                  </p:stCondLst>
+                                  <p:childTnLst>
+                                    <p:set>
+                                      <p:cBhvr>
+                                        <p:cTn id="11" dur="1" fill="hold">
+                                          <p:stCondLst>
+                                            <p:cond delay="0"/>
+                                          </p:stCondLst>
+                                        </p:cTn>
+                                        <p:tgtEl>
+                                          <p:spTgt spid="10"/>
+                                        </p:tgtEl>
+                                        <p:attrNameLst>
+                                          <p:attrName>style.visibility</p:attrName>
+                                        </p:attrNameLst>
+                                      </p:cBhvr>
+                                      <p:to>
+                                        <p:strVal val="visible"/>
+                                      </p:to>
+                                    </p:set>
+                                    <p:anim calcmode="lin" valueType="num">
+                                      <p:cBhvr additive="base">
+                                        <p:cTn id="12" dur="500" fill="hold"/>
+                                        <p:tgtEl>
+                                          <p:spTgt spid="10"/>
+                                        </p:tgtEl>
+                                        <p:attrNameLst>
+                                          <p:attrName>ppt_x</p:attrName>
+                                        </p:attrNameLst>
+                                      </p:cBhvr>
+                                      <p:tavLst>
+                                        <p:tav tm="0">
+                                          <p:val>
+                                            <p:strVal val="#ppt_x"/>
+                                          </p:val>
+                                        </p:tav>
+                                        <p:tav tm="100000">
+                                          <p:val>
+                                            <p:strVal val="#ppt_x"/>
+                                          </p:val>
+                                        </p:tav>
+                                      </p:tavLst>
+                                    </p:anim>
+                                    <p:anim calcmode="lin" valueType="num">
+                                      <p:cBhvr additive="base">
+                                        <p:cTn id="13" dur="500" fill="hold"/>
+                                        <p:tgtEl>
+                                          <p:spTgt spid="10"/>
+                                        </p:tgtEl>
+                                        <p:attrNameLst>
+                                          <p:attrName>ppt_y</p:attrName>
+                                        </p:attrNameLst>
+                                      </p:cBhvr>
+                                      <p:tavLst>
+                                        <p:tav tm="0">
+                                          <p:val>
+                                            <p:strVal val="1+#ppt_h/2"/>
+                                          </p:val>
+                                        </p:tav>
+                                        <p:tav tm="100000">
+                                          <p:val>
+                                            <p:strVal val="#ppt_y"/>
+                                          </p:val>
+                                        </p:tav>
+                                      </p:tavLst>
+                                    </p:anim>
+                                  </p:childTnLst>
+                                </p:cTn>
+                              </p:par>
+                            </p:childTnLst>
+                          </p:cTn>
+                        </p:par>
+                      </p:childTnLst>
+                    </p:cTn>
+                  </p:par>
+                  <p:par>
+                    <p:cTn id="14" fill="hold">
+                      <p:stCondLst>
+                        <p:cond delay="indefinite"/>
+                      </p:stCondLst>
+                      <p:childTnLst>
+                        <p:par>
+                          <p:cTn id="15" fill="hold">
+                            <p:stCondLst>
+                              <p:cond delay="0"/>
+                            </p:stCondLst>
+                            <p:childTnLst>
+                              <p:par>
+                                <p:cTn id="16" presetID="18" presetClass="entr" presetSubtype="12" fill="hold" nodeType="clickEffect">
+                                  <p:stCondLst>
+                                    <p:cond delay="0"/>
+                                  </p:stCondLst>
+                                  <p:childTnLst>
+                                    <p:set>
+                                      <p:cBhvr>
+                                        <p:cTn id="17" dur="1" fill="hold">
+                                          <p:stCondLst>
+                                            <p:cond delay="0"/>
+                                          </p:stCondLst>
+                                        </p:cTn>
+                                        <p:tgtEl>
+                                          <p:spTgt spid="11"/>
+                                        </p:tgtEl>
+                                        <p:attrNameLst>
+                                          <p:attrName>style.visibility</p:attrName>
+                                        </p:attrNameLst>
+                                      </p:cBhvr>
+                                      <p:to>
+                                        <p:strVal val="visible"/>
+                                      </p:to>
+                                    </p:set>
+                                    <p:animEffect transition="in" filter="strips(downLeft)">
+                                      <p:cBhvr>
+                                        <p:cTn id="18" dur="500"/>
+                                        <p:tgtEl>
+                                          <p:spTgt spid="11"/>
+                                        </p:tgtEl>
+                                      </p:cBhvr>
+                                    </p:animEffect>
+                                  </p:childTnLst>
+                                </p:cTn>
+                              </p:par>
+                            </p:childTnLst>
+                          </p:cTn>
+                        </p:par>
+                      </p:childTnLst>
+                    </p:cTn>
+                  </p:par>
+                </p:childTnLst>
+              </p:cTn>
+              <p:prevCondLst>
+                <p:cond evt="onPrev" delay="0">
+                  <p:tgtEl>
+                    <p:sldTgt/>
+                  </p:tgtEl>
+                </p:cond>
+              </p:prevCondLst>
+              <p:nextCondLst>
+                <p:cond evt="onNext" delay="0">
+                  <p:tgtEl>
+                    <p:sldTgt/>
+                  </p:tgtEl>
+                </p:cond>
+              </p:nextCondLst>
+            </p:seq>
+          </p:childTnLst>
+        </p:cTn>
+      </p:par>
+    </p:tnLst>
+    <p:bldLst>
+      <p:bldP spid="2" grpId="0"/>
+    </p:bldLst>
+  </p:timing>
+</p:sld>
+</file>
+
+<file path=ppt/slides/slide9.xml><?xml version="1.0" encoding="utf-8"?>
 <p:sld xmlns:a="http://schemas.openxmlformats.org/drawingml/2006/main" xmlns:r="http://schemas.openxmlformats.org/officeDocument/2006/relationships" xmlns:p="http://schemas.openxmlformats.org/presentationml/2006/main">
   <p:cSld>
     <p:spTree>
@@ -13903,13 +15256,13 @@
   <p:clrMapOvr>
     <a:masterClrMapping/>
   </p:clrMapOvr>
-  <mc:AlternateContent xmlns:mc="http://schemas.openxmlformats.org/markup-compatibility/2006">
-    <mc:Choice xmlns:p14="http://schemas.microsoft.com/office/powerpoint/2010/main" Requires="p14">
+  <mc:AlternateContent xmlns:mc="http://schemas.openxmlformats.org/markup-compatibility/2006" xmlns:p14="http://schemas.microsoft.com/office/powerpoint/2010/main">
+    <mc:Choice Requires="p14">
       <p:transition spd="slow" p14:dur="1200">
         <p14:prism/>
       </p:transition>
     </mc:Choice>
-    <mc:Fallback>
+    <mc:Fallback xmlns="">
       <p:transition spd="slow">
         <p:fade/>
       </p:transition>
@@ -14158,608 +15511,6 @@
       <p:bldP spid="2" grpId="0"/>
       <p:bldP spid="3" grpId="0" build="p"/>
     </p:bldLst>
-  </p:timing>
-</p:sld>
-</file>
-
-<file path=ppt/slides/slide8.xml><?xml version="1.0" encoding="utf-8"?>
-<p:sld xmlns:a="http://schemas.openxmlformats.org/drawingml/2006/main" xmlns:r="http://schemas.openxmlformats.org/officeDocument/2006/relationships" xmlns:p="http://schemas.openxmlformats.org/presentationml/2006/main">
-  <p:cSld>
-    <p:spTree>
-      <p:nvGrpSpPr>
-        <p:cNvPr id="1" name=""/>
-        <p:cNvGrpSpPr/>
-        <p:nvPr/>
-      </p:nvGrpSpPr>
-      <p:grpSpPr>
-        <a:xfrm>
-          <a:off x="0" y="0"/>
-          <a:ext cx="0" cy="0"/>
-          <a:chOff x="0" y="0"/>
-          <a:chExt cx="0" cy="0"/>
-        </a:xfrm>
-      </p:grpSpPr>
-      <p:sp>
-        <p:nvSpPr>
-          <p:cNvPr id="2" name="Cím 1">
-            <a:extLst>
-              <a:ext uri="{FF2B5EF4-FFF2-40B4-BE49-F238E27FC236}">
-                <a16:creationId xmlns:a16="http://schemas.microsoft.com/office/drawing/2014/main" id="{7F47ADD5-7FE5-4F3B-A07C-D69B5C516C29}"/>
-              </a:ext>
-            </a:extLst>
-          </p:cNvPr>
-          <p:cNvSpPr>
-            <a:spLocks noGrp="1"/>
-          </p:cNvSpPr>
-          <p:nvPr>
-            <p:ph type="title"/>
-          </p:nvPr>
-        </p:nvSpPr>
-        <p:spPr>
-          <a:xfrm>
-            <a:off x="685801" y="329540"/>
-            <a:ext cx="10396882" cy="1151965"/>
-          </a:xfrm>
-        </p:spPr>
-        <p:txBody>
-          <a:bodyPr/>
-          <a:lstStyle/>
-          <a:p>
-            <a:pPr algn="ctr"/>
-            <a:r>
-              <a:rPr lang="hu-HU" dirty="0"/>
-              <a:t>A </a:t>
-            </a:r>
-            <a:r>
-              <a:rPr lang="hu-HU" dirty="0" err="1"/>
-              <a:t>validálás</a:t>
-            </a:r>
-            <a:r>
-              <a:rPr lang="hu-HU" dirty="0"/>
-              <a:t> is sikeres volt</a:t>
-            </a:r>
-          </a:p>
-        </p:txBody>
-      </p:sp>
-      <p:pic>
-        <p:nvPicPr>
-          <p:cNvPr id="5" name="Kép 4">
-            <a:extLst>
-              <a:ext uri="{FF2B5EF4-FFF2-40B4-BE49-F238E27FC236}">
-                <a16:creationId xmlns:a16="http://schemas.microsoft.com/office/drawing/2014/main" id="{2FC53835-27B9-464A-BD9F-84B6A8D851B0}"/>
-              </a:ext>
-            </a:extLst>
-          </p:cNvPr>
-          <p:cNvPicPr>
-            <a:picLocks noChangeAspect="1"/>
-          </p:cNvPicPr>
-          <p:nvPr/>
-        </p:nvPicPr>
-        <p:blipFill>
-          <a:blip r:embed="rId2"/>
-          <a:stretch>
-            <a:fillRect/>
-          </a:stretch>
-        </p:blipFill>
-        <p:spPr>
-          <a:xfrm>
-            <a:off x="1709304" y="1330011"/>
-            <a:ext cx="8360971" cy="4197977"/>
-          </a:xfrm>
-          <a:prstGeom prst="rect">
-            <a:avLst/>
-          </a:prstGeom>
-        </p:spPr>
-      </p:pic>
-    </p:spTree>
-    <p:extLst>
-      <p:ext uri="{BB962C8B-B14F-4D97-AF65-F5344CB8AC3E}">
-        <p14:creationId xmlns:p14="http://schemas.microsoft.com/office/powerpoint/2010/main" val="1821236969"/>
-      </p:ext>
-    </p:extLst>
-  </p:cSld>
-  <p:clrMapOvr>
-    <a:masterClrMapping/>
-  </p:clrMapOvr>
-  <mc:AlternateContent xmlns:mc="http://schemas.openxmlformats.org/markup-compatibility/2006">
-    <mc:Choice xmlns:p14="http://schemas.microsoft.com/office/powerpoint/2010/main" Requires="p14">
-      <p:transition spd="slow" p14:dur="3000">
-        <p14:shred/>
-      </p:transition>
-    </mc:Choice>
-    <mc:Fallback>
-      <p:transition spd="slow">
-        <p:fade/>
-      </p:transition>
-    </mc:Fallback>
-  </mc:AlternateContent>
-  <p:timing>
-    <p:tnLst>
-      <p:par>
-        <p:cTn id="1" dur="indefinite" restart="never" nodeType="tmRoot">
-          <p:childTnLst>
-            <p:seq concurrent="1" nextAc="seek">
-              <p:cTn id="2" dur="indefinite" nodeType="mainSeq">
-                <p:childTnLst>
-                  <p:par>
-                    <p:cTn id="3" fill="hold">
-                      <p:stCondLst>
-                        <p:cond delay="indefinite"/>
-                      </p:stCondLst>
-                      <p:childTnLst>
-                        <p:par>
-                          <p:cTn id="4" fill="hold">
-                            <p:stCondLst>
-                              <p:cond delay="0"/>
-                            </p:stCondLst>
-                            <p:childTnLst>
-                              <p:par>
-                                <p:cTn id="5" presetID="10" presetClass="entr" presetSubtype="0" fill="hold" grpId="0" nodeType="clickEffect">
-                                  <p:stCondLst>
-                                    <p:cond delay="0"/>
-                                  </p:stCondLst>
-                                  <p:childTnLst>
-                                    <p:set>
-                                      <p:cBhvr>
-                                        <p:cTn id="6" dur="1" fill="hold">
-                                          <p:stCondLst>
-                                            <p:cond delay="0"/>
-                                          </p:stCondLst>
-                                        </p:cTn>
-                                        <p:tgtEl>
-                                          <p:spTgt spid="2"/>
-                                        </p:tgtEl>
-                                        <p:attrNameLst>
-                                          <p:attrName>style.visibility</p:attrName>
-                                        </p:attrNameLst>
-                                      </p:cBhvr>
-                                      <p:to>
-                                        <p:strVal val="visible"/>
-                                      </p:to>
-                                    </p:set>
-                                    <p:animEffect transition="in" filter="fade">
-                                      <p:cBhvr>
-                                        <p:cTn id="7" dur="500"/>
-                                        <p:tgtEl>
-                                          <p:spTgt spid="2"/>
-                                        </p:tgtEl>
-                                      </p:cBhvr>
-                                    </p:animEffect>
-                                  </p:childTnLst>
-                                </p:cTn>
-                              </p:par>
-                            </p:childTnLst>
-                          </p:cTn>
-                        </p:par>
-                      </p:childTnLst>
-                    </p:cTn>
-                  </p:par>
-                  <p:par>
-                    <p:cTn id="8" fill="hold">
-                      <p:stCondLst>
-                        <p:cond delay="indefinite"/>
-                      </p:stCondLst>
-                      <p:childTnLst>
-                        <p:par>
-                          <p:cTn id="9" fill="hold">
-                            <p:stCondLst>
-                              <p:cond delay="0"/>
-                            </p:stCondLst>
-                            <p:childTnLst>
-                              <p:par>
-                                <p:cTn id="10" presetID="42" presetClass="entr" presetSubtype="0" fill="hold" nodeType="clickEffect">
-                                  <p:stCondLst>
-                                    <p:cond delay="0"/>
-                                  </p:stCondLst>
-                                  <p:childTnLst>
-                                    <p:set>
-                                      <p:cBhvr>
-                                        <p:cTn id="11" dur="1" fill="hold">
-                                          <p:stCondLst>
-                                            <p:cond delay="0"/>
-                                          </p:stCondLst>
-                                        </p:cTn>
-                                        <p:tgtEl>
-                                          <p:spTgt spid="5"/>
-                                        </p:tgtEl>
-                                        <p:attrNameLst>
-                                          <p:attrName>style.visibility</p:attrName>
-                                        </p:attrNameLst>
-                                      </p:cBhvr>
-                                      <p:to>
-                                        <p:strVal val="visible"/>
-                                      </p:to>
-                                    </p:set>
-                                    <p:animEffect transition="in" filter="fade">
-                                      <p:cBhvr>
-                                        <p:cTn id="12" dur="1000"/>
-                                        <p:tgtEl>
-                                          <p:spTgt spid="5"/>
-                                        </p:tgtEl>
-                                      </p:cBhvr>
-                                    </p:animEffect>
-                                    <p:anim calcmode="lin" valueType="num">
-                                      <p:cBhvr>
-                                        <p:cTn id="13" dur="1000" fill="hold"/>
-                                        <p:tgtEl>
-                                          <p:spTgt spid="5"/>
-                                        </p:tgtEl>
-                                        <p:attrNameLst>
-                                          <p:attrName>ppt_x</p:attrName>
-                                        </p:attrNameLst>
-                                      </p:cBhvr>
-                                      <p:tavLst>
-                                        <p:tav tm="0">
-                                          <p:val>
-                                            <p:strVal val="#ppt_x"/>
-                                          </p:val>
-                                        </p:tav>
-                                        <p:tav tm="100000">
-                                          <p:val>
-                                            <p:strVal val="#ppt_x"/>
-                                          </p:val>
-                                        </p:tav>
-                                      </p:tavLst>
-                                    </p:anim>
-                                    <p:anim calcmode="lin" valueType="num">
-                                      <p:cBhvr>
-                                        <p:cTn id="14" dur="1000" fill="hold"/>
-                                        <p:tgtEl>
-                                          <p:spTgt spid="5"/>
-                                        </p:tgtEl>
-                                        <p:attrNameLst>
-                                          <p:attrName>ppt_y</p:attrName>
-                                        </p:attrNameLst>
-                                      </p:cBhvr>
-                                      <p:tavLst>
-                                        <p:tav tm="0">
-                                          <p:val>
-                                            <p:strVal val="#ppt_y+.1"/>
-                                          </p:val>
-                                        </p:tav>
-                                        <p:tav tm="100000">
-                                          <p:val>
-                                            <p:strVal val="#ppt_y"/>
-                                          </p:val>
-                                        </p:tav>
-                                      </p:tavLst>
-                                    </p:anim>
-                                  </p:childTnLst>
-                                </p:cTn>
-                              </p:par>
-                            </p:childTnLst>
-                          </p:cTn>
-                        </p:par>
-                      </p:childTnLst>
-                    </p:cTn>
-                  </p:par>
-                </p:childTnLst>
-              </p:cTn>
-              <p:prevCondLst>
-                <p:cond evt="onPrev" delay="0">
-                  <p:tgtEl>
-                    <p:sldTgt/>
-                  </p:tgtEl>
-                </p:cond>
-              </p:prevCondLst>
-              <p:nextCondLst>
-                <p:cond evt="onNext" delay="0">
-                  <p:tgtEl>
-                    <p:sldTgt/>
-                  </p:tgtEl>
-                </p:cond>
-              </p:nextCondLst>
-            </p:seq>
-          </p:childTnLst>
-        </p:cTn>
-      </p:par>
-    </p:tnLst>
-    <p:bldLst>
-      <p:bldP spid="2" grpId="0"/>
-    </p:bldLst>
-  </p:timing>
-</p:sld>
-</file>
-
-<file path=ppt/slides/slide9.xml><?xml version="1.0" encoding="utf-8"?>
-<p:sld xmlns:a="http://schemas.openxmlformats.org/drawingml/2006/main" xmlns:r="http://schemas.openxmlformats.org/officeDocument/2006/relationships" xmlns:p="http://schemas.openxmlformats.org/presentationml/2006/main">
-  <p:cSld>
-    <p:spTree>
-      <p:nvGrpSpPr>
-        <p:cNvPr id="1" name=""/>
-        <p:cNvGrpSpPr/>
-        <p:nvPr/>
-      </p:nvGrpSpPr>
-      <p:grpSpPr>
-        <a:xfrm>
-          <a:off x="0" y="0"/>
-          <a:ext cx="0" cy="0"/>
-          <a:chOff x="0" y="0"/>
-          <a:chExt cx="0" cy="0"/>
-        </a:xfrm>
-      </p:grpSpPr>
-      <p:pic>
-        <p:nvPicPr>
-          <p:cNvPr id="4" name="Kép 3">
-            <a:extLst>
-              <a:ext uri="{FF2B5EF4-FFF2-40B4-BE49-F238E27FC236}">
-                <a16:creationId xmlns:a16="http://schemas.microsoft.com/office/drawing/2014/main" id="{5B9D7A98-6C0F-452F-9974-46B91463893D}"/>
-              </a:ext>
-            </a:extLst>
-          </p:cNvPr>
-          <p:cNvPicPr>
-            <a:picLocks noChangeAspect="1"/>
-          </p:cNvPicPr>
-          <p:nvPr/>
-        </p:nvPicPr>
-        <p:blipFill>
-          <a:blip r:embed="rId2"/>
-          <a:stretch>
-            <a:fillRect/>
-          </a:stretch>
-        </p:blipFill>
-        <p:spPr>
-          <a:xfrm>
-            <a:off x="2120555" y="0"/>
-            <a:ext cx="6629400" cy="1200150"/>
-          </a:xfrm>
-          <a:prstGeom prst="rect">
-            <a:avLst/>
-          </a:prstGeom>
-        </p:spPr>
-      </p:pic>
-      <p:pic>
-        <p:nvPicPr>
-          <p:cNvPr id="5" name="Kép 4">
-            <a:extLst>
-              <a:ext uri="{FF2B5EF4-FFF2-40B4-BE49-F238E27FC236}">
-                <a16:creationId xmlns:a16="http://schemas.microsoft.com/office/drawing/2014/main" id="{4EC763FB-119E-4A0E-8469-C6C6B5AD6B40}"/>
-              </a:ext>
-            </a:extLst>
-          </p:cNvPr>
-          <p:cNvPicPr>
-            <a:picLocks noChangeAspect="1"/>
-          </p:cNvPicPr>
-          <p:nvPr/>
-        </p:nvPicPr>
-        <p:blipFill>
-          <a:blip r:embed="rId3"/>
-          <a:stretch>
-            <a:fillRect/>
-          </a:stretch>
-        </p:blipFill>
-        <p:spPr>
-          <a:xfrm>
-            <a:off x="2012147" y="1200150"/>
-            <a:ext cx="6846217" cy="5136078"/>
-          </a:xfrm>
-          <a:prstGeom prst="rect">
-            <a:avLst/>
-          </a:prstGeom>
-        </p:spPr>
-      </p:pic>
-    </p:spTree>
-    <p:extLst>
-      <p:ext uri="{BB962C8B-B14F-4D97-AF65-F5344CB8AC3E}">
-        <p14:creationId xmlns:p14="http://schemas.microsoft.com/office/powerpoint/2010/main" val="1485503320"/>
-      </p:ext>
-    </p:extLst>
-  </p:cSld>
-  <p:clrMapOvr>
-    <a:masterClrMapping/>
-  </p:clrMapOvr>
-  <p:transition spd="slow">
-    <p:randomBar dir="vert"/>
-  </p:transition>
-  <p:timing>
-    <p:tnLst>
-      <p:par>
-        <p:cTn id="1" dur="indefinite" restart="never" nodeType="tmRoot">
-          <p:childTnLst>
-            <p:seq concurrent="1" nextAc="seek">
-              <p:cTn id="2" dur="indefinite" nodeType="mainSeq">
-                <p:childTnLst>
-                  <p:par>
-                    <p:cTn id="3" fill="hold">
-                      <p:stCondLst>
-                        <p:cond delay="indefinite"/>
-                      </p:stCondLst>
-                      <p:childTnLst>
-                        <p:par>
-                          <p:cTn id="4" fill="hold">
-                            <p:stCondLst>
-                              <p:cond delay="0"/>
-                            </p:stCondLst>
-                            <p:childTnLst>
-                              <p:par>
-                                <p:cTn id="5" presetID="42" presetClass="entr" presetSubtype="0" fill="hold" nodeType="clickEffect">
-                                  <p:stCondLst>
-                                    <p:cond delay="0"/>
-                                  </p:stCondLst>
-                                  <p:childTnLst>
-                                    <p:set>
-                                      <p:cBhvr>
-                                        <p:cTn id="6" dur="1" fill="hold">
-                                          <p:stCondLst>
-                                            <p:cond delay="0"/>
-                                          </p:stCondLst>
-                                        </p:cTn>
-                                        <p:tgtEl>
-                                          <p:spTgt spid="4"/>
-                                        </p:tgtEl>
-                                        <p:attrNameLst>
-                                          <p:attrName>style.visibility</p:attrName>
-                                        </p:attrNameLst>
-                                      </p:cBhvr>
-                                      <p:to>
-                                        <p:strVal val="visible"/>
-                                      </p:to>
-                                    </p:set>
-                                    <p:animEffect transition="in" filter="fade">
-                                      <p:cBhvr>
-                                        <p:cTn id="7" dur="1000"/>
-                                        <p:tgtEl>
-                                          <p:spTgt spid="4"/>
-                                        </p:tgtEl>
-                                      </p:cBhvr>
-                                    </p:animEffect>
-                                    <p:anim calcmode="lin" valueType="num">
-                                      <p:cBhvr>
-                                        <p:cTn id="8" dur="1000" fill="hold"/>
-                                        <p:tgtEl>
-                                          <p:spTgt spid="4"/>
-                                        </p:tgtEl>
-                                        <p:attrNameLst>
-                                          <p:attrName>ppt_x</p:attrName>
-                                        </p:attrNameLst>
-                                      </p:cBhvr>
-                                      <p:tavLst>
-                                        <p:tav tm="0">
-                                          <p:val>
-                                            <p:strVal val="#ppt_x"/>
-                                          </p:val>
-                                        </p:tav>
-                                        <p:tav tm="100000">
-                                          <p:val>
-                                            <p:strVal val="#ppt_x"/>
-                                          </p:val>
-                                        </p:tav>
-                                      </p:tavLst>
-                                    </p:anim>
-                                    <p:anim calcmode="lin" valueType="num">
-                                      <p:cBhvr>
-                                        <p:cTn id="9" dur="1000" fill="hold"/>
-                                        <p:tgtEl>
-                                          <p:spTgt spid="4"/>
-                                        </p:tgtEl>
-                                        <p:attrNameLst>
-                                          <p:attrName>ppt_y</p:attrName>
-                                        </p:attrNameLst>
-                                      </p:cBhvr>
-                                      <p:tavLst>
-                                        <p:tav tm="0">
-                                          <p:val>
-                                            <p:strVal val="#ppt_y+.1"/>
-                                          </p:val>
-                                        </p:tav>
-                                        <p:tav tm="100000">
-                                          <p:val>
-                                            <p:strVal val="#ppt_y"/>
-                                          </p:val>
-                                        </p:tav>
-                                      </p:tavLst>
-                                    </p:anim>
-                                  </p:childTnLst>
-                                </p:cTn>
-                              </p:par>
-                              <p:par>
-                                <p:cTn id="10" presetID="42" presetClass="entr" presetSubtype="0" fill="hold" nodeType="withEffect">
-                                  <p:stCondLst>
-                                    <p:cond delay="0"/>
-                                  </p:stCondLst>
-                                  <p:childTnLst>
-                                    <p:set>
-                                      <p:cBhvr>
-                                        <p:cTn id="11" dur="1" fill="hold">
-                                          <p:stCondLst>
-                                            <p:cond delay="0"/>
-                                          </p:stCondLst>
-                                        </p:cTn>
-                                        <p:tgtEl>
-                                          <p:spTgt spid="5"/>
-                                        </p:tgtEl>
-                                        <p:attrNameLst>
-                                          <p:attrName>style.visibility</p:attrName>
-                                        </p:attrNameLst>
-                                      </p:cBhvr>
-                                      <p:to>
-                                        <p:strVal val="visible"/>
-                                      </p:to>
-                                    </p:set>
-                                    <p:animEffect transition="in" filter="fade">
-                                      <p:cBhvr>
-                                        <p:cTn id="12" dur="1000"/>
-                                        <p:tgtEl>
-                                          <p:spTgt spid="5"/>
-                                        </p:tgtEl>
-                                      </p:cBhvr>
-                                    </p:animEffect>
-                                    <p:anim calcmode="lin" valueType="num">
-                                      <p:cBhvr>
-                                        <p:cTn id="13" dur="1000" fill="hold"/>
-                                        <p:tgtEl>
-                                          <p:spTgt spid="5"/>
-                                        </p:tgtEl>
-                                        <p:attrNameLst>
-                                          <p:attrName>ppt_x</p:attrName>
-                                        </p:attrNameLst>
-                                      </p:cBhvr>
-                                      <p:tavLst>
-                                        <p:tav tm="0">
-                                          <p:val>
-                                            <p:strVal val="#ppt_x"/>
-                                          </p:val>
-                                        </p:tav>
-                                        <p:tav tm="100000">
-                                          <p:val>
-                                            <p:strVal val="#ppt_x"/>
-                                          </p:val>
-                                        </p:tav>
-                                      </p:tavLst>
-                                    </p:anim>
-                                    <p:anim calcmode="lin" valueType="num">
-                                      <p:cBhvr>
-                                        <p:cTn id="14" dur="1000" fill="hold"/>
-                                        <p:tgtEl>
-                                          <p:spTgt spid="5"/>
-                                        </p:tgtEl>
-                                        <p:attrNameLst>
-                                          <p:attrName>ppt_y</p:attrName>
-                                        </p:attrNameLst>
-                                      </p:cBhvr>
-                                      <p:tavLst>
-                                        <p:tav tm="0">
-                                          <p:val>
-                                            <p:strVal val="#ppt_y+.1"/>
-                                          </p:val>
-                                        </p:tav>
-                                        <p:tav tm="100000">
-                                          <p:val>
-                                            <p:strVal val="#ppt_y"/>
-                                          </p:val>
-                                        </p:tav>
-                                      </p:tavLst>
-                                    </p:anim>
-                                  </p:childTnLst>
-                                </p:cTn>
-                              </p:par>
-                            </p:childTnLst>
-                          </p:cTn>
-                        </p:par>
-                      </p:childTnLst>
-                    </p:cTn>
-                  </p:par>
-                </p:childTnLst>
-              </p:cTn>
-              <p:prevCondLst>
-                <p:cond evt="onPrev" delay="0">
-                  <p:tgtEl>
-                    <p:sldTgt/>
-                  </p:tgtEl>
-                </p:cond>
-              </p:prevCondLst>
-              <p:nextCondLst>
-                <p:cond evt="onNext" delay="0">
-                  <p:tgtEl>
-                    <p:sldTgt/>
-                  </p:tgtEl>
-                </p:cond>
-              </p:nextCondLst>
-            </p:seq>
-          </p:childTnLst>
-        </p:cTn>
-      </p:par>
-    </p:tnLst>
   </p:timing>
 </p:sld>
 </file>
